--- a/docs/docs/latest/parent-pom/_attachments/parent-pom.pptx
+++ b/docs/docs/latest/parent-pom/_attachments/parent-pom.pptx
@@ -261,7 +261,7 @@
           <a:p>
             <a:fld id="{F63ACD98-5124-4B8B-B052-6751B42D2BBE}" type="datetimeFigureOut">
               <a:rPr lang="en-GB" smtClean="0"/>
-              <a:t>29/01/2020</a:t>
+              <a:t>18/03/2020</a:t>
             </a:fld>
             <a:endParaRPr lang="en-GB"/>
           </a:p>
@@ -461,7 +461,7 @@
           <a:p>
             <a:fld id="{F63ACD98-5124-4B8B-B052-6751B42D2BBE}" type="datetimeFigureOut">
               <a:rPr lang="en-GB" smtClean="0"/>
-              <a:t>29/01/2020</a:t>
+              <a:t>18/03/2020</a:t>
             </a:fld>
             <a:endParaRPr lang="en-GB"/>
           </a:p>
@@ -671,7 +671,7 @@
           <a:p>
             <a:fld id="{F63ACD98-5124-4B8B-B052-6751B42D2BBE}" type="datetimeFigureOut">
               <a:rPr lang="en-GB" smtClean="0"/>
-              <a:t>29/01/2020</a:t>
+              <a:t>18/03/2020</a:t>
             </a:fld>
             <a:endParaRPr lang="en-GB"/>
           </a:p>
@@ -871,7 +871,7 @@
           <a:p>
             <a:fld id="{F63ACD98-5124-4B8B-B052-6751B42D2BBE}" type="datetimeFigureOut">
               <a:rPr lang="en-GB" smtClean="0"/>
-              <a:t>29/01/2020</a:t>
+              <a:t>18/03/2020</a:t>
             </a:fld>
             <a:endParaRPr lang="en-GB"/>
           </a:p>
@@ -1147,7 +1147,7 @@
           <a:p>
             <a:fld id="{F63ACD98-5124-4B8B-B052-6751B42D2BBE}" type="datetimeFigureOut">
               <a:rPr lang="en-GB" smtClean="0"/>
-              <a:t>29/01/2020</a:t>
+              <a:t>18/03/2020</a:t>
             </a:fld>
             <a:endParaRPr lang="en-GB"/>
           </a:p>
@@ -1415,7 +1415,7 @@
           <a:p>
             <a:fld id="{F63ACD98-5124-4B8B-B052-6751B42D2BBE}" type="datetimeFigureOut">
               <a:rPr lang="en-GB" smtClean="0"/>
-              <a:t>29/01/2020</a:t>
+              <a:t>18/03/2020</a:t>
             </a:fld>
             <a:endParaRPr lang="en-GB"/>
           </a:p>
@@ -1830,7 +1830,7 @@
           <a:p>
             <a:fld id="{F63ACD98-5124-4B8B-B052-6751B42D2BBE}" type="datetimeFigureOut">
               <a:rPr lang="en-GB" smtClean="0"/>
-              <a:t>29/01/2020</a:t>
+              <a:t>18/03/2020</a:t>
             </a:fld>
             <a:endParaRPr lang="en-GB"/>
           </a:p>
@@ -1972,7 +1972,7 @@
           <a:p>
             <a:fld id="{F63ACD98-5124-4B8B-B052-6751B42D2BBE}" type="datetimeFigureOut">
               <a:rPr lang="en-GB" smtClean="0"/>
-              <a:t>29/01/2020</a:t>
+              <a:t>18/03/2020</a:t>
             </a:fld>
             <a:endParaRPr lang="en-GB"/>
           </a:p>
@@ -2085,7 +2085,7 @@
           <a:p>
             <a:fld id="{F63ACD98-5124-4B8B-B052-6751B42D2BBE}" type="datetimeFigureOut">
               <a:rPr lang="en-GB" smtClean="0"/>
-              <a:t>29/01/2020</a:t>
+              <a:t>18/03/2020</a:t>
             </a:fld>
             <a:endParaRPr lang="en-GB"/>
           </a:p>
@@ -2398,7 +2398,7 @@
           <a:p>
             <a:fld id="{F63ACD98-5124-4B8B-B052-6751B42D2BBE}" type="datetimeFigureOut">
               <a:rPr lang="en-GB" smtClean="0"/>
-              <a:t>29/01/2020</a:t>
+              <a:t>18/03/2020</a:t>
             </a:fld>
             <a:endParaRPr lang="en-GB"/>
           </a:p>
@@ -2687,7 +2687,7 @@
           <a:p>
             <a:fld id="{F63ACD98-5124-4B8B-B052-6751B42D2BBE}" type="datetimeFigureOut">
               <a:rPr lang="en-GB" smtClean="0"/>
-              <a:t>29/01/2020</a:t>
+              <a:t>18/03/2020</a:t>
             </a:fld>
             <a:endParaRPr lang="en-GB"/>
           </a:p>
@@ -2930,7 +2930,7 @@
           <a:p>
             <a:fld id="{F63ACD98-5124-4B8B-B052-6751B42D2BBE}" type="datetimeFigureOut">
               <a:rPr lang="en-GB" smtClean="0"/>
-              <a:t>29/01/2020</a:t>
+              <a:t>18/03/2020</a:t>
             </a:fld>
             <a:endParaRPr lang="en-GB"/>
           </a:p>
@@ -3362,7 +3362,7 @@
         <p:spPr>
           <a:xfrm>
             <a:off x="8926091" y="3084537"/>
-            <a:ext cx="2682817" cy="609606"/>
+            <a:ext cx="2682817" cy="632330"/>
           </a:xfrm>
           <a:prstGeom prst="rect">
             <a:avLst/>
@@ -3411,19 +3411,24 @@
           <a:prstGeom prst="rect">
             <a:avLst/>
           </a:prstGeom>
+          <a:solidFill>
+            <a:schemeClr val="accent1"/>
+          </a:solidFill>
         </p:spPr>
         <p:style>
           <a:lnRef idx="2">
-            <a:schemeClr val="accent1"/>
+            <a:schemeClr val="accent1">
+              <a:shade val="50000"/>
+            </a:schemeClr>
           </a:lnRef>
           <a:fillRef idx="1">
-            <a:schemeClr val="lt1"/>
+            <a:schemeClr val="accent1"/>
           </a:fillRef>
           <a:effectRef idx="0">
             <a:schemeClr val="accent1"/>
           </a:effectRef>
           <a:fontRef idx="minor">
-            <a:schemeClr val="dk1"/>
+            <a:schemeClr val="lt1"/>
           </a:fontRef>
         </p:style>
         <p:txBody>
@@ -3431,7 +3436,11 @@
           <a:lstStyle/>
           <a:p>
             <a:pPr algn="ctr"/>
-            <a:endParaRPr lang="en-GB" sz="1600" dirty="0"/>
+            <a:endParaRPr lang="en-GB" sz="1600" dirty="0">
+              <a:solidFill>
+                <a:schemeClr val="lt1"/>
+              </a:solidFill>
+            </a:endParaRPr>
           </a:p>
         </p:txBody>
       </p:sp>
@@ -3455,19 +3464,24 @@
           <a:prstGeom prst="rect">
             <a:avLst/>
           </a:prstGeom>
+          <a:solidFill>
+            <a:schemeClr val="accent1"/>
+          </a:solidFill>
         </p:spPr>
         <p:style>
           <a:lnRef idx="2">
-            <a:schemeClr val="accent1"/>
+            <a:schemeClr val="accent1">
+              <a:shade val="50000"/>
+            </a:schemeClr>
           </a:lnRef>
           <a:fillRef idx="1">
-            <a:schemeClr val="lt1"/>
+            <a:schemeClr val="accent1"/>
           </a:fillRef>
           <a:effectRef idx="0">
             <a:schemeClr val="accent1"/>
           </a:effectRef>
           <a:fontRef idx="minor">
-            <a:schemeClr val="dk1"/>
+            <a:schemeClr val="lt1"/>
           </a:fontRef>
         </p:style>
         <p:txBody>
@@ -3475,7 +3489,11 @@
           <a:lstStyle/>
           <a:p>
             <a:pPr algn="ctr"/>
-            <a:endParaRPr lang="en-GB" sz="1600" dirty="0"/>
+            <a:endParaRPr lang="en-GB" sz="1600" dirty="0">
+              <a:solidFill>
+                <a:schemeClr val="lt1"/>
+              </a:solidFill>
+            </a:endParaRPr>
           </a:p>
         </p:txBody>
       </p:sp>
@@ -3499,19 +3517,24 @@
           <a:prstGeom prst="rect">
             <a:avLst/>
           </a:prstGeom>
+          <a:solidFill>
+            <a:schemeClr val="accent1"/>
+          </a:solidFill>
         </p:spPr>
         <p:style>
           <a:lnRef idx="2">
-            <a:schemeClr val="accent1"/>
+            <a:schemeClr val="accent1">
+              <a:shade val="50000"/>
+            </a:schemeClr>
           </a:lnRef>
           <a:fillRef idx="1">
-            <a:schemeClr val="lt1"/>
+            <a:schemeClr val="accent1"/>
           </a:fillRef>
           <a:effectRef idx="0">
             <a:schemeClr val="accent1"/>
           </a:effectRef>
           <a:fontRef idx="minor">
-            <a:schemeClr val="dk1"/>
+            <a:schemeClr val="lt1"/>
           </a:fontRef>
         </p:style>
         <p:txBody>
@@ -3519,7 +3542,11 @@
           <a:lstStyle/>
           <a:p>
             <a:pPr algn="ctr"/>
-            <a:endParaRPr lang="en-GB" sz="1600" dirty="0"/>
+            <a:endParaRPr lang="en-GB" sz="1600" dirty="0">
+              <a:solidFill>
+                <a:schemeClr val="lt1"/>
+              </a:solidFill>
+            </a:endParaRPr>
           </a:p>
         </p:txBody>
       </p:sp>
@@ -3543,19 +3570,24 @@
           <a:prstGeom prst="rect">
             <a:avLst/>
           </a:prstGeom>
+          <a:solidFill>
+            <a:schemeClr val="accent1"/>
+          </a:solidFill>
         </p:spPr>
         <p:style>
           <a:lnRef idx="2">
-            <a:schemeClr val="accent1"/>
+            <a:schemeClr val="accent1">
+              <a:shade val="50000"/>
+            </a:schemeClr>
           </a:lnRef>
           <a:fillRef idx="1">
-            <a:schemeClr val="lt1"/>
+            <a:schemeClr val="accent1"/>
           </a:fillRef>
           <a:effectRef idx="0">
             <a:schemeClr val="accent1"/>
           </a:effectRef>
           <a:fontRef idx="minor">
-            <a:schemeClr val="dk1"/>
+            <a:schemeClr val="lt1"/>
           </a:fontRef>
         </p:style>
         <p:txBody>
@@ -3563,7 +3595,11 @@
           <a:lstStyle/>
           <a:p>
             <a:pPr algn="ctr"/>
-            <a:endParaRPr lang="en-GB" sz="1600" dirty="0"/>
+            <a:endParaRPr lang="en-GB" sz="1600" dirty="0">
+              <a:solidFill>
+                <a:schemeClr val="lt1"/>
+              </a:solidFill>
+            </a:endParaRPr>
           </a:p>
         </p:txBody>
       </p:sp>
@@ -4734,15 +4770,15 @@
         </p:spPr>
         <p:style>
           <a:lnRef idx="2">
-            <a:schemeClr val="accent1">
+            <a:schemeClr val="accent6">
               <a:shade val="50000"/>
             </a:schemeClr>
           </a:lnRef>
           <a:fillRef idx="1">
-            <a:schemeClr val="accent1"/>
+            <a:schemeClr val="accent6"/>
           </a:fillRef>
           <a:effectRef idx="0">
-            <a:schemeClr val="accent1"/>
+            <a:schemeClr val="accent6"/>
           </a:effectRef>
           <a:fontRef idx="minor">
             <a:schemeClr val="lt1"/>
@@ -4868,8 +4904,13 @@
             </a:r>
             <a:r>
               <a:rPr lang="en-GB" sz="1600" dirty="0"/>
-              <a:t>-testing-xxx</a:t>
-            </a:r>
+              <a:t>-testing-xxx-</a:t>
+            </a:r>
+            <a:r>
+              <a:rPr lang="en-GB" sz="1600" dirty="0" err="1"/>
+              <a:t>applib</a:t>
+            </a:r>
+            <a:endParaRPr lang="en-GB" sz="1600" dirty="0"/>
           </a:p>
         </p:txBody>
       </p:sp>
